--- a/jsp_ppt/13장. Maven 기반 프로젝트.pptx
+++ b/jsp_ppt/13장. Maven 기반 프로젝트.pptx
@@ -227,7 +227,7 @@
           <a:p>
             <a:fld id="{7665CDAC-D627-4E87-877A-1B781DD4CADC}" type="datetimeFigureOut">
               <a:rPr lang="ko-KR" altLang="en-US" smtClean="0"/>
-              <a:t>2023-07-17</a:t>
+              <a:t>2023-07-18</a:t>
             </a:fld>
             <a:endParaRPr lang="ko-KR" altLang="en-US"/>
           </a:p>
@@ -765,7 +765,7 @@
           <a:p>
             <a:fld id="{F4AC81B4-D91A-4578-85B3-829E63FCFE17}" type="datetime1">
               <a:rPr lang="ko-KR" altLang="en-US" smtClean="0"/>
-              <a:t>2023-07-17</a:t>
+              <a:t>2023-07-18</a:t>
             </a:fld>
             <a:endParaRPr lang="ko-KR" altLang="en-US"/>
           </a:p>
@@ -1140,7 +1140,7 @@
           <a:p>
             <a:fld id="{F5B77542-37E5-48F2-BAE7-80CC6B0EB6A3}" type="datetime1">
               <a:rPr lang="ko-KR" altLang="en-US" smtClean="0"/>
-              <a:t>2023-07-17</a:t>
+              <a:t>2023-07-18</a:t>
             </a:fld>
             <a:endParaRPr lang="ko-KR" altLang="en-US"/>
           </a:p>
@@ -1320,7 +1320,7 @@
           <a:p>
             <a:fld id="{227CF174-B5AC-4A98-B673-0BE8126D3F27}" type="datetime1">
               <a:rPr lang="ko-KR" altLang="en-US" smtClean="0"/>
-              <a:t>2023-07-17</a:t>
+              <a:t>2023-07-18</a:t>
             </a:fld>
             <a:endParaRPr lang="ko-KR" altLang="en-US"/>
           </a:p>
@@ -1494,7 +1494,7 @@
           <a:p>
             <a:fld id="{E20FDEC8-1339-42E8-9704-2977280C2FD3}" type="datetime1">
               <a:rPr lang="ko-KR" altLang="en-US" smtClean="0"/>
-              <a:t>2023-07-17</a:t>
+              <a:t>2023-07-18</a:t>
             </a:fld>
             <a:endParaRPr lang="ko-KR" altLang="en-US"/>
           </a:p>
@@ -1740,7 +1740,7 @@
           <a:p>
             <a:fld id="{4D18DC76-A282-4817-B790-197F054E1215}" type="datetime1">
               <a:rPr lang="ko-KR" altLang="en-US" smtClean="0"/>
-              <a:t>2023-07-17</a:t>
+              <a:t>2023-07-18</a:t>
             </a:fld>
             <a:endParaRPr lang="ko-KR" altLang="en-US"/>
           </a:p>
@@ -2028,7 +2028,7 @@
           <a:p>
             <a:fld id="{6680AA6C-13D8-43E4-90F0-E6C88A2B9F16}" type="datetime1">
               <a:rPr lang="ko-KR" altLang="en-US" smtClean="0"/>
-              <a:t>2023-07-17</a:t>
+              <a:t>2023-07-18</a:t>
             </a:fld>
             <a:endParaRPr lang="ko-KR" altLang="en-US"/>
           </a:p>
@@ -2450,7 +2450,7 @@
           <a:p>
             <a:fld id="{3EF5B03B-20CC-436E-8601-C933C6C1F4A6}" type="datetime1">
               <a:rPr lang="ko-KR" altLang="en-US" smtClean="0"/>
-              <a:t>2023-07-17</a:t>
+              <a:t>2023-07-18</a:t>
             </a:fld>
             <a:endParaRPr lang="ko-KR" altLang="en-US"/>
           </a:p>
@@ -2568,7 +2568,7 @@
           <a:p>
             <a:fld id="{87B5A15D-8B08-482F-AB47-E416EC355EB6}" type="datetime1">
               <a:rPr lang="ko-KR" altLang="en-US" smtClean="0"/>
-              <a:t>2023-07-17</a:t>
+              <a:t>2023-07-18</a:t>
             </a:fld>
             <a:endParaRPr lang="ko-KR" altLang="en-US"/>
           </a:p>
@@ -2663,7 +2663,7 @@
           <a:p>
             <a:fld id="{A877D7F8-7B64-44F8-A411-CBD22F28CBFF}" type="datetime1">
               <a:rPr lang="ko-KR" altLang="en-US" smtClean="0"/>
-              <a:t>2023-07-17</a:t>
+              <a:t>2023-07-18</a:t>
             </a:fld>
             <a:endParaRPr lang="ko-KR" altLang="en-US"/>
           </a:p>
@@ -2940,7 +2940,7 @@
           <a:p>
             <a:fld id="{E12DBD9B-2BB6-4D1F-BCB4-1E48829C93C3}" type="datetime1">
               <a:rPr lang="ko-KR" altLang="en-US" smtClean="0"/>
-              <a:t>2023-07-17</a:t>
+              <a:t>2023-07-18</a:t>
             </a:fld>
             <a:endParaRPr lang="ko-KR" altLang="en-US"/>
           </a:p>
@@ -3193,7 +3193,7 @@
           <a:p>
             <a:fld id="{17564C48-0CD7-40EB-BE64-BBF4DB8C56AF}" type="datetime1">
               <a:rPr lang="ko-KR" altLang="en-US" smtClean="0"/>
-              <a:t>2023-07-17</a:t>
+              <a:t>2023-07-18</a:t>
             </a:fld>
             <a:endParaRPr lang="ko-KR" altLang="en-US"/>
           </a:p>
@@ -3373,7 +3373,7 @@
           <a:p>
             <a:fld id="{C116BCB4-B68B-4638-8167-F4BDC0A30DA1}" type="datetime1">
               <a:rPr lang="ko-KR" altLang="en-US" smtClean="0"/>
-              <a:t>2023-07-17</a:t>
+              <a:t>2023-07-18</a:t>
             </a:fld>
             <a:endParaRPr lang="ko-KR" altLang="en-US"/>
           </a:p>
@@ -3954,7 +3954,7 @@
                 <a:latin typeface="휴먼엑스포" panose="02030504000101010101" pitchFamily="18" charset="-127"/>
                 <a:ea typeface="휴먼엑스포" panose="02030504000101010101" pitchFamily="18" charset="-127"/>
               </a:rPr>
-              <a:t>14</a:t>
+              <a:t>13</a:t>
             </a:r>
             <a:r>
               <a:rPr lang="ko-KR" altLang="en-US" b="1" dirty="0" smtClean="0">
@@ -6365,11 +6365,7 @@
             </a:pPr>
             <a:r>
               <a:rPr lang="en-US" altLang="ko-KR" b="1" dirty="0" err="1" smtClean="0"/>
-              <a:t>ProductInfo.j</a:t>
-            </a:r>
-            <a:r>
-              <a:rPr lang="en-US" altLang="ko-KR" b="1" dirty="0" err="1" smtClean="0"/>
-              <a:t>sp</a:t>
+              <a:t>ProductInfo.jsp</a:t>
             </a:r>
             <a:r>
               <a:rPr lang="en-US" altLang="ko-KR" b="1" dirty="0" smtClean="0"/>

--- a/jsp_ppt/13장. Maven 기반 프로젝트.pptx
+++ b/jsp_ppt/13장. Maven 기반 프로젝트.pptx
@@ -5,7 +5,7 @@
     <p:sldMasterId id="2147483648" r:id="rId1"/>
   </p:sldMasterIdLst>
   <p:notesMasterIdLst>
-    <p:notesMasterId r:id="rId22"/>
+    <p:notesMasterId r:id="rId28"/>
   </p:notesMasterIdLst>
   <p:sldIdLst>
     <p:sldId id="256" r:id="rId2"/>
@@ -28,6 +28,12 @@
     <p:sldId id="401" r:id="rId19"/>
     <p:sldId id="404" r:id="rId20"/>
     <p:sldId id="405" r:id="rId21"/>
+    <p:sldId id="408" r:id="rId22"/>
+    <p:sldId id="409" r:id="rId23"/>
+    <p:sldId id="410" r:id="rId24"/>
+    <p:sldId id="411" r:id="rId25"/>
+    <p:sldId id="413" r:id="rId26"/>
+    <p:sldId id="414" r:id="rId27"/>
   </p:sldIdLst>
   <p:sldSz cx="9906000" cy="6858000" type="A4"/>
   <p:notesSz cx="6858000" cy="9144000"/>
@@ -227,7 +233,7 @@
           <a:p>
             <a:fld id="{7665CDAC-D627-4E87-877A-1B781DD4CADC}" type="datetimeFigureOut">
               <a:rPr lang="ko-KR" altLang="en-US" smtClean="0"/>
-              <a:t>2023-07-18</a:t>
+              <a:t>2023-07-19</a:t>
             </a:fld>
             <a:endParaRPr lang="ko-KR" altLang="en-US"/>
           </a:p>
@@ -765,7 +771,7 @@
           <a:p>
             <a:fld id="{F4AC81B4-D91A-4578-85B3-829E63FCFE17}" type="datetime1">
               <a:rPr lang="ko-KR" altLang="en-US" smtClean="0"/>
-              <a:t>2023-07-18</a:t>
+              <a:t>2023-07-19</a:t>
             </a:fld>
             <a:endParaRPr lang="ko-KR" altLang="en-US"/>
           </a:p>
@@ -1140,7 +1146,7 @@
           <a:p>
             <a:fld id="{F5B77542-37E5-48F2-BAE7-80CC6B0EB6A3}" type="datetime1">
               <a:rPr lang="ko-KR" altLang="en-US" smtClean="0"/>
-              <a:t>2023-07-18</a:t>
+              <a:t>2023-07-19</a:t>
             </a:fld>
             <a:endParaRPr lang="ko-KR" altLang="en-US"/>
           </a:p>
@@ -1320,7 +1326,7 @@
           <a:p>
             <a:fld id="{227CF174-B5AC-4A98-B673-0BE8126D3F27}" type="datetime1">
               <a:rPr lang="ko-KR" altLang="en-US" smtClean="0"/>
-              <a:t>2023-07-18</a:t>
+              <a:t>2023-07-19</a:t>
             </a:fld>
             <a:endParaRPr lang="ko-KR" altLang="en-US"/>
           </a:p>
@@ -1494,7 +1500,7 @@
           <a:p>
             <a:fld id="{E20FDEC8-1339-42E8-9704-2977280C2FD3}" type="datetime1">
               <a:rPr lang="ko-KR" altLang="en-US" smtClean="0"/>
-              <a:t>2023-07-18</a:t>
+              <a:t>2023-07-19</a:t>
             </a:fld>
             <a:endParaRPr lang="ko-KR" altLang="en-US"/>
           </a:p>
@@ -1740,7 +1746,7 @@
           <a:p>
             <a:fld id="{4D18DC76-A282-4817-B790-197F054E1215}" type="datetime1">
               <a:rPr lang="ko-KR" altLang="en-US" smtClean="0"/>
-              <a:t>2023-07-18</a:t>
+              <a:t>2023-07-19</a:t>
             </a:fld>
             <a:endParaRPr lang="ko-KR" altLang="en-US"/>
           </a:p>
@@ -2028,7 +2034,7 @@
           <a:p>
             <a:fld id="{6680AA6C-13D8-43E4-90F0-E6C88A2B9F16}" type="datetime1">
               <a:rPr lang="ko-KR" altLang="en-US" smtClean="0"/>
-              <a:t>2023-07-18</a:t>
+              <a:t>2023-07-19</a:t>
             </a:fld>
             <a:endParaRPr lang="ko-KR" altLang="en-US"/>
           </a:p>
@@ -2450,7 +2456,7 @@
           <a:p>
             <a:fld id="{3EF5B03B-20CC-436E-8601-C933C6C1F4A6}" type="datetime1">
               <a:rPr lang="ko-KR" altLang="en-US" smtClean="0"/>
-              <a:t>2023-07-18</a:t>
+              <a:t>2023-07-19</a:t>
             </a:fld>
             <a:endParaRPr lang="ko-KR" altLang="en-US"/>
           </a:p>
@@ -2568,7 +2574,7 @@
           <a:p>
             <a:fld id="{87B5A15D-8B08-482F-AB47-E416EC355EB6}" type="datetime1">
               <a:rPr lang="ko-KR" altLang="en-US" smtClean="0"/>
-              <a:t>2023-07-18</a:t>
+              <a:t>2023-07-19</a:t>
             </a:fld>
             <a:endParaRPr lang="ko-KR" altLang="en-US"/>
           </a:p>
@@ -2663,7 +2669,7 @@
           <a:p>
             <a:fld id="{A877D7F8-7B64-44F8-A411-CBD22F28CBFF}" type="datetime1">
               <a:rPr lang="ko-KR" altLang="en-US" smtClean="0"/>
-              <a:t>2023-07-18</a:t>
+              <a:t>2023-07-19</a:t>
             </a:fld>
             <a:endParaRPr lang="ko-KR" altLang="en-US"/>
           </a:p>
@@ -2940,7 +2946,7 @@
           <a:p>
             <a:fld id="{E12DBD9B-2BB6-4D1F-BCB4-1E48829C93C3}" type="datetime1">
               <a:rPr lang="ko-KR" altLang="en-US" smtClean="0"/>
-              <a:t>2023-07-18</a:t>
+              <a:t>2023-07-19</a:t>
             </a:fld>
             <a:endParaRPr lang="ko-KR" altLang="en-US"/>
           </a:p>
@@ -3193,7 +3199,7 @@
           <a:p>
             <a:fld id="{17564C48-0CD7-40EB-BE64-BBF4DB8C56AF}" type="datetime1">
               <a:rPr lang="ko-KR" altLang="en-US" smtClean="0"/>
-              <a:t>2023-07-18</a:t>
+              <a:t>2023-07-19</a:t>
             </a:fld>
             <a:endParaRPr lang="ko-KR" altLang="en-US"/>
           </a:p>
@@ -3373,7 +3379,7 @@
           <a:p>
             <a:fld id="{C116BCB4-B68B-4638-8167-F4BDC0A30DA1}" type="datetime1">
               <a:rPr lang="ko-KR" altLang="en-US" smtClean="0"/>
-              <a:t>2023-07-18</a:t>
+              <a:t>2023-07-19</a:t>
             </a:fld>
             <a:endParaRPr lang="ko-KR" altLang="en-US"/>
           </a:p>
@@ -6383,6 +6389,2010 @@
     <p:extLst>
       <p:ext uri="{BB962C8B-B14F-4D97-AF65-F5344CB8AC3E}">
         <p14:creationId xmlns:p14="http://schemas.microsoft.com/office/powerpoint/2010/main" val="2014601283"/>
+      </p:ext>
+    </p:extLst>
+  </p:cSld>
+  <p:clrMapOvr>
+    <a:masterClrMapping/>
+  </p:clrMapOvr>
+  <p:timing>
+    <p:tnLst>
+      <p:par>
+        <p:cTn id="1" dur="indefinite" restart="never" nodeType="tmRoot"/>
+      </p:par>
+    </p:tnLst>
+  </p:timing>
+</p:sld>
+</file>
+
+<file path=ppt/slides/slide21.xml><?xml version="1.0" encoding="utf-8"?>
+<p:sld xmlns:a="http://schemas.openxmlformats.org/drawingml/2006/main" xmlns:r="http://schemas.openxmlformats.org/officeDocument/2006/relationships" xmlns:p="http://schemas.openxmlformats.org/presentationml/2006/main">
+  <p:cSld>
+    <p:spTree>
+      <p:nvGrpSpPr>
+        <p:cNvPr id="1" name=""/>
+        <p:cNvGrpSpPr/>
+        <p:nvPr/>
+      </p:nvGrpSpPr>
+      <p:grpSpPr>
+        <a:xfrm>
+          <a:off x="0" y="0"/>
+          <a:ext cx="0" cy="0"/>
+          <a:chOff x="0" y="0"/>
+          <a:chExt cx="0" cy="0"/>
+        </a:xfrm>
+      </p:grpSpPr>
+      <p:sp>
+        <p:nvSpPr>
+          <p:cNvPr id="15" name="제목 5"/>
+          <p:cNvSpPr txBox="1">
+            <a:spLocks/>
+          </p:cNvSpPr>
+          <p:nvPr/>
+        </p:nvSpPr>
+        <p:spPr>
+          <a:xfrm>
+            <a:off x="0" y="-27384"/>
+            <a:ext cx="7995338" cy="854968"/>
+          </a:xfrm>
+          <a:prstGeom prst="rect">
+            <a:avLst/>
+          </a:prstGeom>
+        </p:spPr>
+        <p:txBody>
+          <a:bodyPr anchor="ctr" anchorCtr="0"/>
+          <a:lstStyle>
+            <a:lvl1pPr algn="l" defTabSz="914400" rtl="0" eaLnBrk="1" latinLnBrk="1" hangingPunct="1">
+              <a:spcBef>
+                <a:spcPct val="0"/>
+              </a:spcBef>
+              <a:buNone/>
+              <a:defRPr sz="3200" kern="1200">
+                <a:solidFill>
+                  <a:schemeClr val="bg1"/>
+                </a:solidFill>
+                <a:latin typeface="HY헤드라인M" panose="02030600000101010101" pitchFamily="18" charset="-127"/>
+                <a:ea typeface="HY헤드라인M" panose="02030600000101010101" pitchFamily="18" charset="-127"/>
+                <a:cs typeface="+mj-cs"/>
+              </a:defRPr>
+            </a:lvl1pPr>
+          </a:lstStyle>
+          <a:p>
+            <a:r>
+              <a:rPr lang="en-US" altLang="ko-KR" dirty="0" smtClean="0"/>
+              <a:t> </a:t>
+            </a:r>
+            <a:r>
+              <a:rPr lang="ko-KR" altLang="en-US" dirty="0"/>
+              <a:t> </a:t>
+            </a:r>
+            <a:r>
+              <a:rPr lang="ko-KR" altLang="en-US" dirty="0" smtClean="0"/>
+              <a:t>세션</a:t>
+            </a:r>
+            <a:r>
+              <a:rPr lang="en-US" altLang="ko-KR" dirty="0" smtClean="0"/>
+              <a:t>(session) – </a:t>
+            </a:r>
+            <a:r>
+              <a:rPr lang="ko-KR" altLang="en-US" dirty="0" smtClean="0"/>
+              <a:t>장바구니 </a:t>
+            </a:r>
+            <a:endParaRPr lang="ko-KR" altLang="en-US" dirty="0"/>
+          </a:p>
+        </p:txBody>
+      </p:sp>
+      <p:sp>
+        <p:nvSpPr>
+          <p:cNvPr id="5" name="TextBox 4"/>
+          <p:cNvSpPr txBox="1"/>
+          <p:nvPr/>
+        </p:nvSpPr>
+        <p:spPr>
+          <a:xfrm>
+            <a:off x="776536" y="1074802"/>
+            <a:ext cx="5832648" cy="553998"/>
+          </a:xfrm>
+          <a:prstGeom prst="rect">
+            <a:avLst/>
+          </a:prstGeom>
+          <a:noFill/>
+        </p:spPr>
+        <p:txBody>
+          <a:bodyPr wrap="square" rtlCol="0">
+            <a:spAutoFit/>
+          </a:bodyPr>
+          <a:lstStyle/>
+          <a:p>
+            <a:pPr>
+              <a:lnSpc>
+                <a:spcPct val="150000"/>
+              </a:lnSpc>
+            </a:pPr>
+            <a:r>
+              <a:rPr lang="ko-KR" altLang="en-US" sz="2000" b="1" dirty="0" smtClean="0"/>
+              <a:t>세션 실습 </a:t>
+            </a:r>
+            <a:r>
+              <a:rPr lang="en-US" altLang="ko-KR" sz="2000" b="1" dirty="0" smtClean="0"/>
+              <a:t>- </a:t>
+            </a:r>
+            <a:r>
+              <a:rPr lang="ko-KR" altLang="en-US" sz="2000" b="1" dirty="0" smtClean="0"/>
+              <a:t>장바구니</a:t>
+            </a:r>
+            <a:r>
+              <a:rPr lang="en-US" altLang="ko-KR" sz="2000" b="1" dirty="0" smtClean="0"/>
+              <a:t>(Shopping Cart)</a:t>
+            </a:r>
+          </a:p>
+        </p:txBody>
+      </p:sp>
+      <p:graphicFrame>
+        <p:nvGraphicFramePr>
+          <p:cNvPr id="8" name="표 7"/>
+          <p:cNvGraphicFramePr>
+            <a:graphicFrameLocks noGrp="1"/>
+          </p:cNvGraphicFramePr>
+          <p:nvPr>
+            <p:extLst>
+              <p:ext uri="{D42A27DB-BD31-4B8C-83A1-F6EECF244321}">
+                <p14:modId xmlns:p14="http://schemas.microsoft.com/office/powerpoint/2010/main" val="720084421"/>
+              </p:ext>
+            </p:extLst>
+          </p:nvPr>
+        </p:nvGraphicFramePr>
+        <p:xfrm>
+          <a:off x="848544" y="2509397"/>
+          <a:ext cx="8496944" cy="3223859"/>
+        </p:xfrm>
+        <a:graphic>
+          <a:graphicData uri="http://schemas.openxmlformats.org/drawingml/2006/table">
+            <a:tbl>
+              <a:tblPr firstRow="1" bandRow="1">
+                <a:tableStyleId>{5940675A-B579-460E-94D1-54222C63F5DA}</a:tableStyleId>
+              </a:tblPr>
+              <a:tblGrid>
+                <a:gridCol w="2744859">
+                  <a:extLst>
+                    <a:ext uri="{9D8B030D-6E8A-4147-A177-3AD203B41FA5}">
+                      <a16:colId xmlns:a16="http://schemas.microsoft.com/office/drawing/2014/main" val="20000"/>
+                    </a:ext>
+                  </a:extLst>
+                </a:gridCol>
+                <a:gridCol w="5752085">
+                  <a:extLst>
+                    <a:ext uri="{9D8B030D-6E8A-4147-A177-3AD203B41FA5}">
+                      <a16:colId xmlns:a16="http://schemas.microsoft.com/office/drawing/2014/main" val="20001"/>
+                    </a:ext>
+                  </a:extLst>
+                </a:gridCol>
+              </a:tblGrid>
+              <a:tr h="443281">
+                <a:tc>
+                  <a:txBody>
+                    <a:bodyPr/>
+                    <a:lstStyle/>
+                    <a:p>
+                      <a:pPr algn="ctr" latinLnBrk="1"/>
+                      <a:r>
+                        <a:rPr lang="ko-KR" altLang="en-US" sz="1600" dirty="0" smtClean="0"/>
+                        <a:t>파일 이름</a:t>
+                      </a:r>
+                      <a:endParaRPr lang="ko-KR" altLang="en-US" sz="1600" dirty="0"/>
+                    </a:p>
+                  </a:txBody>
+                  <a:tcPr anchor="ctr">
+                    <a:lnL w="12700" cmpd="sng">
+                      <a:noFill/>
+                    </a:lnL>
+                    <a:solidFill>
+                      <a:schemeClr val="bg1">
+                        <a:lumMod val="95000"/>
+                      </a:schemeClr>
+                    </a:solidFill>
+                  </a:tcPr>
+                </a:tc>
+                <a:tc>
+                  <a:txBody>
+                    <a:bodyPr/>
+                    <a:lstStyle/>
+                    <a:p>
+                      <a:pPr algn="ctr" latinLnBrk="1"/>
+                      <a:r>
+                        <a:rPr lang="ko-KR" altLang="en-US" sz="1600" dirty="0" smtClean="0"/>
+                        <a:t>역 할</a:t>
+                      </a:r>
+                      <a:endParaRPr lang="ko-KR" altLang="en-US" sz="1600" dirty="0"/>
+                    </a:p>
+                  </a:txBody>
+                  <a:tcPr anchor="ctr">
+                    <a:lnR w="12700" cmpd="sng">
+                      <a:noFill/>
+                    </a:lnR>
+                    <a:solidFill>
+                      <a:schemeClr val="bg1">
+                        <a:lumMod val="95000"/>
+                      </a:schemeClr>
+                    </a:solidFill>
+                  </a:tcPr>
+                </a:tc>
+                <a:extLst>
+                  <a:ext uri="{0D108BD9-81ED-4DB2-BD59-A6C34878D82A}">
+                    <a16:rowId xmlns:a16="http://schemas.microsoft.com/office/drawing/2014/main" val="10000"/>
+                  </a:ext>
+                </a:extLst>
+              </a:tr>
+              <a:tr h="483580">
+                <a:tc>
+                  <a:txBody>
+                    <a:bodyPr/>
+                    <a:lstStyle/>
+                    <a:p>
+                      <a:pPr algn="l" latinLnBrk="1"/>
+                      <a:r>
+                        <a:rPr lang="en-US" altLang="ko-KR" sz="1800" dirty="0" err="1" smtClean="0"/>
+                        <a:t>loginForm.jsp</a:t>
+                      </a:r>
+                      <a:endParaRPr lang="en-US" altLang="ko-KR" sz="1800" dirty="0" smtClean="0"/>
+                    </a:p>
+                  </a:txBody>
+                  <a:tcPr anchor="ctr">
+                    <a:lnL w="12700" cmpd="sng">
+                      <a:noFill/>
+                    </a:lnL>
+                  </a:tcPr>
+                </a:tc>
+                <a:tc>
+                  <a:txBody>
+                    <a:bodyPr/>
+                    <a:lstStyle/>
+                    <a:p>
+                      <a:pPr marL="0" marR="0" lvl="0" indent="0" algn="l" defTabSz="914400" rtl="0" eaLnBrk="1" fontAlgn="auto" latinLnBrk="1" hangingPunct="1">
+                        <a:lnSpc>
+                          <a:spcPct val="100000"/>
+                        </a:lnSpc>
+                        <a:spcBef>
+                          <a:spcPts val="0"/>
+                        </a:spcBef>
+                        <a:spcAft>
+                          <a:spcPts val="0"/>
+                        </a:spcAft>
+                        <a:buClrTx/>
+                        <a:buSzTx/>
+                        <a:buFontTx/>
+                        <a:buNone/>
+                        <a:tabLst/>
+                        <a:defRPr/>
+                      </a:pPr>
+                      <a:r>
+                        <a:rPr lang="ko-KR" altLang="en-US" sz="1600" dirty="0" smtClean="0"/>
+                        <a:t>로그인 폼 화면</a:t>
+                      </a:r>
+                      <a:r>
+                        <a:rPr lang="en-US" altLang="ko-KR" sz="1600" dirty="0" smtClean="0"/>
+                        <a:t>, </a:t>
+                      </a:r>
+                      <a:r>
+                        <a:rPr lang="ko-KR" altLang="en-US" sz="1600" dirty="0" smtClean="0"/>
+                        <a:t>사용자 이름을 입력하는 양식만 제공</a:t>
+                      </a:r>
+                    </a:p>
+                  </a:txBody>
+                  <a:tcPr anchor="ctr">
+                    <a:lnR w="12700" cmpd="sng">
+                      <a:noFill/>
+                    </a:lnR>
+                  </a:tcPr>
+                </a:tc>
+                <a:extLst>
+                  <a:ext uri="{0D108BD9-81ED-4DB2-BD59-A6C34878D82A}">
+                    <a16:rowId xmlns:a16="http://schemas.microsoft.com/office/drawing/2014/main" val="10001"/>
+                  </a:ext>
+                </a:extLst>
+              </a:tr>
+              <a:tr h="765666">
+                <a:tc>
+                  <a:txBody>
+                    <a:bodyPr/>
+                    <a:lstStyle/>
+                    <a:p>
+                      <a:pPr marL="0" marR="0" indent="0" algn="l" defTabSz="914400" rtl="0" eaLnBrk="1" fontAlgn="auto" latinLnBrk="1" hangingPunct="1">
+                        <a:lnSpc>
+                          <a:spcPct val="100000"/>
+                        </a:lnSpc>
+                        <a:spcBef>
+                          <a:spcPts val="0"/>
+                        </a:spcBef>
+                        <a:spcAft>
+                          <a:spcPts val="0"/>
+                        </a:spcAft>
+                        <a:buClrTx/>
+                        <a:buSzTx/>
+                        <a:buFontTx/>
+                        <a:buNone/>
+                        <a:tabLst/>
+                        <a:defRPr/>
+                      </a:pPr>
+                      <a:r>
+                        <a:rPr lang="en-US" altLang="ko-KR" sz="1800" dirty="0" err="1" smtClean="0"/>
+                        <a:t>selProcuct.jsp</a:t>
+                      </a:r>
+                      <a:endParaRPr lang="en-US" altLang="ko-KR" sz="1800" dirty="0" smtClean="0"/>
+                    </a:p>
+                  </a:txBody>
+                  <a:tcPr anchor="ctr">
+                    <a:lnL w="12700" cmpd="sng">
+                      <a:noFill/>
+                    </a:lnL>
+                  </a:tcPr>
+                </a:tc>
+                <a:tc>
+                  <a:txBody>
+                    <a:bodyPr/>
+                    <a:lstStyle/>
+                    <a:p>
+                      <a:pPr marL="0" marR="0" lvl="0" indent="0" algn="l" defTabSz="914400" rtl="0" eaLnBrk="1" fontAlgn="auto" latinLnBrk="1" hangingPunct="1">
+                        <a:lnSpc>
+                          <a:spcPct val="100000"/>
+                        </a:lnSpc>
+                        <a:spcBef>
+                          <a:spcPts val="0"/>
+                        </a:spcBef>
+                        <a:spcAft>
+                          <a:spcPts val="0"/>
+                        </a:spcAft>
+                        <a:buClrTx/>
+                        <a:buSzTx/>
+                        <a:buFontTx/>
+                        <a:buNone/>
+                        <a:tabLst/>
+                        <a:defRPr/>
+                      </a:pPr>
+                      <a:r>
+                        <a:rPr lang="ko-KR" altLang="en-US" sz="1600" dirty="0" smtClean="0"/>
+                        <a:t>상품을 선택하는 화면으로 리스트에서 원하는 상품을 선택하고 </a:t>
+                      </a:r>
+                      <a:r>
+                        <a:rPr lang="en-US" altLang="ko-KR" sz="1600" dirty="0" smtClean="0"/>
+                        <a:t>&lt;</a:t>
+                      </a:r>
+                      <a:r>
+                        <a:rPr lang="ko-KR" altLang="en-US" sz="1600" dirty="0" smtClean="0"/>
+                        <a:t>추가</a:t>
+                      </a:r>
+                      <a:r>
+                        <a:rPr lang="en-US" altLang="ko-KR" sz="1600" dirty="0" smtClean="0"/>
+                        <a:t>&gt;</a:t>
+                      </a:r>
+                      <a:r>
+                        <a:rPr lang="ko-KR" altLang="en-US" sz="1600" dirty="0" smtClean="0"/>
+                        <a:t>버튼을</a:t>
+                      </a:r>
+                      <a:r>
+                        <a:rPr lang="en-US" altLang="ko-KR" sz="1600" dirty="0" smtClean="0"/>
+                        <a:t> </a:t>
+                      </a:r>
+                      <a:r>
+                        <a:rPr lang="ko-KR" altLang="en-US" sz="1600" dirty="0" smtClean="0"/>
+                        <a:t>눌러 상품을 추가한다</a:t>
+                      </a:r>
+                      <a:r>
+                        <a:rPr lang="en-US" altLang="ko-KR" sz="1600" dirty="0" smtClean="0"/>
+                        <a:t>.  </a:t>
+                      </a:r>
+                      <a:r>
+                        <a:rPr lang="ko-KR" altLang="en-US" sz="1600" dirty="0" smtClean="0"/>
+                        <a:t>사용자 세션 설정</a:t>
+                      </a:r>
+                    </a:p>
+                  </a:txBody>
+                  <a:tcPr anchor="ctr">
+                    <a:lnR w="12700" cmpd="sng">
+                      <a:noFill/>
+                    </a:lnR>
+                  </a:tcPr>
+                </a:tc>
+                <a:extLst>
+                  <a:ext uri="{0D108BD9-81ED-4DB2-BD59-A6C34878D82A}">
+                    <a16:rowId xmlns:a16="http://schemas.microsoft.com/office/drawing/2014/main" val="10002"/>
+                  </a:ext>
+                </a:extLst>
+              </a:tr>
+              <a:tr h="765666">
+                <a:tc>
+                  <a:txBody>
+                    <a:bodyPr/>
+                    <a:lstStyle/>
+                    <a:p>
+                      <a:pPr marL="0" marR="0" indent="0" algn="l" defTabSz="914400" rtl="0" eaLnBrk="1" fontAlgn="auto" latinLnBrk="1" hangingPunct="1">
+                        <a:lnSpc>
+                          <a:spcPct val="100000"/>
+                        </a:lnSpc>
+                        <a:spcBef>
+                          <a:spcPts val="0"/>
+                        </a:spcBef>
+                        <a:spcAft>
+                          <a:spcPts val="0"/>
+                        </a:spcAft>
+                        <a:buClrTx/>
+                        <a:buSzTx/>
+                        <a:buFontTx/>
+                        <a:buNone/>
+                        <a:tabLst/>
+                        <a:defRPr/>
+                      </a:pPr>
+                      <a:r>
+                        <a:rPr lang="en-US" altLang="ko-KR" sz="1800" dirty="0" err="1" smtClean="0"/>
+                        <a:t>productAdd.jsp</a:t>
+                      </a:r>
+                      <a:endParaRPr lang="en-US" altLang="ko-KR" sz="1800" dirty="0" smtClean="0"/>
+                    </a:p>
+                  </a:txBody>
+                  <a:tcPr anchor="ctr">
+                    <a:lnL w="12700" cmpd="sng">
+                      <a:noFill/>
+                    </a:lnL>
+                  </a:tcPr>
+                </a:tc>
+                <a:tc>
+                  <a:txBody>
+                    <a:bodyPr/>
+                    <a:lstStyle/>
+                    <a:p>
+                      <a:pPr marL="0" marR="0" lvl="0" indent="0" algn="l" defTabSz="914400" rtl="0" eaLnBrk="1" fontAlgn="auto" latinLnBrk="1" hangingPunct="1">
+                        <a:lnSpc>
+                          <a:spcPct val="100000"/>
+                        </a:lnSpc>
+                        <a:spcBef>
+                          <a:spcPts val="0"/>
+                        </a:spcBef>
+                        <a:spcAft>
+                          <a:spcPts val="0"/>
+                        </a:spcAft>
+                        <a:buClrTx/>
+                        <a:buSzTx/>
+                        <a:buFontTx/>
+                        <a:buNone/>
+                        <a:tabLst/>
+                        <a:defRPr/>
+                      </a:pPr>
+                      <a:r>
+                        <a:rPr lang="en-US" altLang="ko-KR" sz="1600" dirty="0" err="1" smtClean="0"/>
+                        <a:t>selProduct</a:t>
+                      </a:r>
+                      <a:r>
+                        <a:rPr lang="ko-KR" altLang="en-US" sz="1600" dirty="0" smtClean="0"/>
+                        <a:t>에서 선택한 상품을 세션에 넣는다</a:t>
+                      </a:r>
+                      <a:r>
+                        <a:rPr lang="en-US" altLang="ko-KR" sz="1600" dirty="0" smtClean="0"/>
+                        <a:t>. </a:t>
+                      </a:r>
+                      <a:r>
+                        <a:rPr lang="ko-KR" altLang="en-US" sz="1600" dirty="0" smtClean="0"/>
+                        <a:t>선택된 데이터를 모두 </a:t>
+                      </a:r>
+                      <a:r>
+                        <a:rPr lang="ko-KR" altLang="en-US" sz="1600" dirty="0" err="1" smtClean="0"/>
+                        <a:t>선택해야하므로</a:t>
+                      </a:r>
+                      <a:r>
+                        <a:rPr lang="ko-KR" altLang="en-US" sz="1600" dirty="0" smtClean="0"/>
+                        <a:t> </a:t>
+                      </a:r>
+                      <a:r>
+                        <a:rPr lang="en-US" altLang="ko-KR" sz="1600" dirty="0" err="1" smtClean="0"/>
+                        <a:t>ArrayList</a:t>
+                      </a:r>
+                      <a:r>
+                        <a:rPr lang="ko-KR" altLang="en-US" sz="1600" dirty="0" smtClean="0"/>
+                        <a:t>를 이용한다</a:t>
+                      </a:r>
+                      <a:r>
+                        <a:rPr lang="en-US" altLang="ko-KR" sz="1600" dirty="0" smtClean="0"/>
+                        <a:t>.</a:t>
+                      </a:r>
+                      <a:endParaRPr lang="ko-KR" altLang="en-US" sz="1600" dirty="0" smtClean="0"/>
+                    </a:p>
+                  </a:txBody>
+                  <a:tcPr anchor="ctr">
+                    <a:lnR w="12700" cmpd="sng">
+                      <a:noFill/>
+                    </a:lnR>
+                  </a:tcPr>
+                </a:tc>
+                <a:extLst>
+                  <a:ext uri="{0D108BD9-81ED-4DB2-BD59-A6C34878D82A}">
+                    <a16:rowId xmlns:a16="http://schemas.microsoft.com/office/drawing/2014/main" val="10003"/>
+                  </a:ext>
+                </a:extLst>
+              </a:tr>
+              <a:tr h="765666">
+                <a:tc>
+                  <a:txBody>
+                    <a:bodyPr/>
+                    <a:lstStyle/>
+                    <a:p>
+                      <a:pPr algn="l" latinLnBrk="1"/>
+                      <a:r>
+                        <a:rPr lang="en-US" altLang="ko-KR" sz="1800" dirty="0" err="1" smtClean="0"/>
+                        <a:t>checkOut.jsp</a:t>
+                      </a:r>
+                      <a:endParaRPr lang="en-US" altLang="ko-KR" sz="1800" dirty="0" smtClean="0"/>
+                    </a:p>
+                  </a:txBody>
+                  <a:tcPr anchor="ctr">
+                    <a:lnL w="12700" cmpd="sng">
+                      <a:noFill/>
+                    </a:lnL>
+                  </a:tcPr>
+                </a:tc>
+                <a:tc>
+                  <a:txBody>
+                    <a:bodyPr/>
+                    <a:lstStyle/>
+                    <a:p>
+                      <a:pPr marL="0" marR="0" lvl="0" indent="0" algn="l" defTabSz="914400" rtl="0" eaLnBrk="1" fontAlgn="auto" latinLnBrk="1" hangingPunct="1">
+                        <a:lnSpc>
+                          <a:spcPct val="100000"/>
+                        </a:lnSpc>
+                        <a:spcBef>
+                          <a:spcPts val="0"/>
+                        </a:spcBef>
+                        <a:spcAft>
+                          <a:spcPts val="0"/>
+                        </a:spcAft>
+                        <a:buClrTx/>
+                        <a:buSzTx/>
+                        <a:buFontTx/>
+                        <a:buNone/>
+                        <a:tabLst/>
+                        <a:defRPr/>
+                      </a:pPr>
+                      <a:r>
+                        <a:rPr lang="ko-KR" altLang="en-US" sz="1600" dirty="0" smtClean="0"/>
+                        <a:t>세션이 살아 있고</a:t>
+                      </a:r>
+                      <a:r>
+                        <a:rPr lang="en-US" altLang="ko-KR" sz="1600" dirty="0" smtClean="0"/>
+                        <a:t>, </a:t>
+                      </a:r>
+                      <a:r>
+                        <a:rPr lang="ko-KR" altLang="en-US" sz="1600" dirty="0" smtClean="0"/>
+                        <a:t>하나</a:t>
+                      </a:r>
+                      <a:r>
+                        <a:rPr lang="ko-KR" altLang="en-US" sz="1600" baseline="0" dirty="0" smtClean="0"/>
+                        <a:t> 이상의 상품을 선택한 상태라면 선택한 상품의 목록을 보여준다</a:t>
+                      </a:r>
+                      <a:r>
+                        <a:rPr lang="en-US" altLang="ko-KR" sz="1600" baseline="0" dirty="0" smtClean="0"/>
+                        <a:t>.</a:t>
+                      </a:r>
+                      <a:endParaRPr lang="ko-KR" altLang="en-US" sz="1600" dirty="0" smtClean="0"/>
+                    </a:p>
+                  </a:txBody>
+                  <a:tcPr anchor="ctr">
+                    <a:lnR w="12700" cmpd="sng">
+                      <a:noFill/>
+                    </a:lnR>
+                  </a:tcPr>
+                </a:tc>
+                <a:extLst>
+                  <a:ext uri="{0D108BD9-81ED-4DB2-BD59-A6C34878D82A}">
+                    <a16:rowId xmlns:a16="http://schemas.microsoft.com/office/drawing/2014/main" val="10004"/>
+                  </a:ext>
+                </a:extLst>
+              </a:tr>
+            </a:tbl>
+          </a:graphicData>
+        </a:graphic>
+      </p:graphicFrame>
+      <p:sp>
+        <p:nvSpPr>
+          <p:cNvPr id="9" name="TextBox 8"/>
+          <p:cNvSpPr txBox="1"/>
+          <p:nvPr/>
+        </p:nvSpPr>
+        <p:spPr>
+          <a:xfrm>
+            <a:off x="848544" y="1916832"/>
+            <a:ext cx="2232248" cy="369332"/>
+          </a:xfrm>
+          <a:prstGeom prst="rect">
+            <a:avLst/>
+          </a:prstGeom>
+          <a:noFill/>
+        </p:spPr>
+        <p:txBody>
+          <a:bodyPr wrap="square" rtlCol="0">
+            <a:spAutoFit/>
+          </a:bodyPr>
+          <a:lstStyle/>
+          <a:p>
+            <a:r>
+              <a:rPr lang="ko-KR" altLang="en-US" dirty="0" smtClean="0"/>
+              <a:t>프로그램 소스 목록</a:t>
+            </a:r>
+            <a:endParaRPr lang="ko-KR" altLang="en-US" dirty="0"/>
+          </a:p>
+        </p:txBody>
+      </p:sp>
+    </p:spTree>
+    <p:extLst>
+      <p:ext uri="{BB962C8B-B14F-4D97-AF65-F5344CB8AC3E}">
+        <p14:creationId xmlns:p14="http://schemas.microsoft.com/office/powerpoint/2010/main" val="2353141112"/>
+      </p:ext>
+    </p:extLst>
+  </p:cSld>
+  <p:clrMapOvr>
+    <a:masterClrMapping/>
+  </p:clrMapOvr>
+  <p:timing>
+    <p:tnLst>
+      <p:par>
+        <p:cTn id="1" dur="indefinite" restart="never" nodeType="tmRoot"/>
+      </p:par>
+    </p:tnLst>
+  </p:timing>
+</p:sld>
+</file>
+
+<file path=ppt/slides/slide22.xml><?xml version="1.0" encoding="utf-8"?>
+<p:sld xmlns:a="http://schemas.openxmlformats.org/drawingml/2006/main" xmlns:r="http://schemas.openxmlformats.org/officeDocument/2006/relationships" xmlns:p="http://schemas.openxmlformats.org/presentationml/2006/main">
+  <p:cSld>
+    <p:spTree>
+      <p:nvGrpSpPr>
+        <p:cNvPr id="1" name=""/>
+        <p:cNvGrpSpPr/>
+        <p:nvPr/>
+      </p:nvGrpSpPr>
+      <p:grpSpPr>
+        <a:xfrm>
+          <a:off x="0" y="0"/>
+          <a:ext cx="0" cy="0"/>
+          <a:chOff x="0" y="0"/>
+          <a:chExt cx="0" cy="0"/>
+        </a:xfrm>
+      </p:grpSpPr>
+      <p:sp>
+        <p:nvSpPr>
+          <p:cNvPr id="15" name="제목 5"/>
+          <p:cNvSpPr txBox="1">
+            <a:spLocks/>
+          </p:cNvSpPr>
+          <p:nvPr/>
+        </p:nvSpPr>
+        <p:spPr>
+          <a:xfrm>
+            <a:off x="0" y="-27384"/>
+            <a:ext cx="7995338" cy="854968"/>
+          </a:xfrm>
+          <a:prstGeom prst="rect">
+            <a:avLst/>
+          </a:prstGeom>
+        </p:spPr>
+        <p:txBody>
+          <a:bodyPr anchor="ctr" anchorCtr="0"/>
+          <a:lstStyle>
+            <a:lvl1pPr algn="l" defTabSz="914400" rtl="0" eaLnBrk="1" latinLnBrk="1" hangingPunct="1">
+              <a:spcBef>
+                <a:spcPct val="0"/>
+              </a:spcBef>
+              <a:buNone/>
+              <a:defRPr sz="3200" kern="1200">
+                <a:solidFill>
+                  <a:schemeClr val="bg1"/>
+                </a:solidFill>
+                <a:latin typeface="HY헤드라인M" panose="02030600000101010101" pitchFamily="18" charset="-127"/>
+                <a:ea typeface="HY헤드라인M" panose="02030600000101010101" pitchFamily="18" charset="-127"/>
+                <a:cs typeface="+mj-cs"/>
+              </a:defRPr>
+            </a:lvl1pPr>
+          </a:lstStyle>
+          <a:p>
+            <a:r>
+              <a:rPr lang="en-US" altLang="ko-KR" dirty="0" smtClean="0"/>
+              <a:t> </a:t>
+            </a:r>
+            <a:r>
+              <a:rPr lang="ko-KR" altLang="en-US" dirty="0"/>
+              <a:t> </a:t>
+            </a:r>
+            <a:r>
+              <a:rPr lang="ko-KR" altLang="en-US" dirty="0" smtClean="0"/>
+              <a:t>세션</a:t>
+            </a:r>
+            <a:r>
+              <a:rPr lang="en-US" altLang="ko-KR" dirty="0" smtClean="0"/>
+              <a:t>(session) – </a:t>
+            </a:r>
+            <a:r>
+              <a:rPr lang="ko-KR" altLang="en-US" dirty="0" smtClean="0"/>
+              <a:t>장바구니 </a:t>
+            </a:r>
+            <a:endParaRPr lang="ko-KR" altLang="en-US" dirty="0"/>
+          </a:p>
+        </p:txBody>
+      </p:sp>
+      <p:sp>
+        <p:nvSpPr>
+          <p:cNvPr id="5" name="TextBox 4"/>
+          <p:cNvSpPr txBox="1"/>
+          <p:nvPr/>
+        </p:nvSpPr>
+        <p:spPr>
+          <a:xfrm>
+            <a:off x="776536" y="980728"/>
+            <a:ext cx="9073008" cy="494494"/>
+          </a:xfrm>
+          <a:prstGeom prst="rect">
+            <a:avLst/>
+          </a:prstGeom>
+          <a:noFill/>
+        </p:spPr>
+        <p:txBody>
+          <a:bodyPr wrap="square" rtlCol="0">
+            <a:spAutoFit/>
+          </a:bodyPr>
+          <a:lstStyle/>
+          <a:p>
+            <a:pPr>
+              <a:lnSpc>
+                <a:spcPct val="150000"/>
+              </a:lnSpc>
+            </a:pPr>
+            <a:r>
+              <a:rPr lang="ko-KR" altLang="en-US" sz="2000" b="1" dirty="0" smtClean="0"/>
+              <a:t>세션을 이용한 장바구니</a:t>
+            </a:r>
+            <a:r>
+              <a:rPr lang="en-US" altLang="ko-KR" sz="2000" b="1" dirty="0" smtClean="0"/>
+              <a:t>(Shopping Cart) </a:t>
+            </a:r>
+            <a:r>
+              <a:rPr lang="ko-KR" altLang="en-US" sz="2000" b="1" dirty="0" smtClean="0"/>
+              <a:t>구현</a:t>
+            </a:r>
+            <a:endParaRPr lang="en-US" altLang="ko-KR" sz="2000" b="1" dirty="0" smtClean="0"/>
+          </a:p>
+        </p:txBody>
+      </p:sp>
+      <p:pic>
+        <p:nvPicPr>
+          <p:cNvPr id="2" name="그림 1"/>
+          <p:cNvPicPr>
+            <a:picLocks noChangeAspect="1"/>
+          </p:cNvPicPr>
+          <p:nvPr/>
+        </p:nvPicPr>
+        <p:blipFill>
+          <a:blip r:embed="rId2">
+            <a:extLst>
+              <a:ext uri="{28A0092B-C50C-407E-A947-70E740481C1C}">
+                <a14:useLocalDpi xmlns:a14="http://schemas.microsoft.com/office/drawing/2010/main" val="0"/>
+              </a:ext>
+            </a:extLst>
+          </a:blip>
+          <a:stretch>
+            <a:fillRect/>
+          </a:stretch>
+        </p:blipFill>
+        <p:spPr>
+          <a:xfrm>
+            <a:off x="1064568" y="1916833"/>
+            <a:ext cx="2933101" cy="1449998"/>
+          </a:xfrm>
+          <a:prstGeom prst="rect">
+            <a:avLst/>
+          </a:prstGeom>
+          <a:ln>
+            <a:solidFill>
+              <a:schemeClr val="accent5">
+                <a:lumMod val="20000"/>
+                <a:lumOff val="80000"/>
+              </a:schemeClr>
+            </a:solidFill>
+          </a:ln>
+        </p:spPr>
+      </p:pic>
+      <p:pic>
+        <p:nvPicPr>
+          <p:cNvPr id="3" name="그림 2"/>
+          <p:cNvPicPr>
+            <a:picLocks noChangeAspect="1"/>
+          </p:cNvPicPr>
+          <p:nvPr/>
+        </p:nvPicPr>
+        <p:blipFill>
+          <a:blip r:embed="rId3">
+            <a:extLst>
+              <a:ext uri="{28A0092B-C50C-407E-A947-70E740481C1C}">
+                <a14:useLocalDpi xmlns:a14="http://schemas.microsoft.com/office/drawing/2010/main" val="0"/>
+              </a:ext>
+            </a:extLst>
+          </a:blip>
+          <a:stretch>
+            <a:fillRect/>
+          </a:stretch>
+        </p:blipFill>
+        <p:spPr>
+          <a:xfrm>
+            <a:off x="4632987" y="1849296"/>
+            <a:ext cx="3330370" cy="2141385"/>
+          </a:xfrm>
+          <a:prstGeom prst="rect">
+            <a:avLst/>
+          </a:prstGeom>
+          <a:ln>
+            <a:solidFill>
+              <a:schemeClr val="accent5">
+                <a:lumMod val="20000"/>
+                <a:lumOff val="80000"/>
+              </a:schemeClr>
+            </a:solidFill>
+          </a:ln>
+        </p:spPr>
+      </p:pic>
+      <p:pic>
+        <p:nvPicPr>
+          <p:cNvPr id="4" name="그림 3"/>
+          <p:cNvPicPr>
+            <a:picLocks noChangeAspect="1"/>
+          </p:cNvPicPr>
+          <p:nvPr/>
+        </p:nvPicPr>
+        <p:blipFill>
+          <a:blip r:embed="rId4">
+            <a:extLst>
+              <a:ext uri="{28A0092B-C50C-407E-A947-70E740481C1C}">
+                <a14:useLocalDpi xmlns:a14="http://schemas.microsoft.com/office/drawing/2010/main" val="0"/>
+              </a:ext>
+            </a:extLst>
+          </a:blip>
+          <a:stretch>
+            <a:fillRect/>
+          </a:stretch>
+        </p:blipFill>
+        <p:spPr>
+          <a:xfrm>
+            <a:off x="6298171" y="3731846"/>
+            <a:ext cx="3419929" cy="1065306"/>
+          </a:xfrm>
+          <a:prstGeom prst="rect">
+            <a:avLst/>
+          </a:prstGeom>
+          <a:ln>
+            <a:solidFill>
+              <a:schemeClr val="accent5">
+                <a:lumMod val="20000"/>
+                <a:lumOff val="80000"/>
+              </a:schemeClr>
+            </a:solidFill>
+          </a:ln>
+        </p:spPr>
+      </p:pic>
+      <p:pic>
+        <p:nvPicPr>
+          <p:cNvPr id="6" name="그림 5"/>
+          <p:cNvPicPr>
+            <a:picLocks noChangeAspect="1"/>
+          </p:cNvPicPr>
+          <p:nvPr/>
+        </p:nvPicPr>
+        <p:blipFill>
+          <a:blip r:embed="rId5">
+            <a:extLst>
+              <a:ext uri="{28A0092B-C50C-407E-A947-70E740481C1C}">
+                <a14:useLocalDpi xmlns:a14="http://schemas.microsoft.com/office/drawing/2010/main" val="0"/>
+              </a:ext>
+            </a:extLst>
+          </a:blip>
+          <a:stretch>
+            <a:fillRect/>
+          </a:stretch>
+        </p:blipFill>
+        <p:spPr>
+          <a:xfrm>
+            <a:off x="2648744" y="4149080"/>
+            <a:ext cx="1968655" cy="1872208"/>
+          </a:xfrm>
+          <a:prstGeom prst="rect">
+            <a:avLst/>
+          </a:prstGeom>
+          <a:ln>
+            <a:solidFill>
+              <a:schemeClr val="accent5">
+                <a:lumMod val="20000"/>
+                <a:lumOff val="80000"/>
+              </a:schemeClr>
+            </a:solidFill>
+          </a:ln>
+        </p:spPr>
+      </p:pic>
+      <p:cxnSp>
+        <p:nvCxnSpPr>
+          <p:cNvPr id="14" name="직선 화살표 연결선 13"/>
+          <p:cNvCxnSpPr/>
+          <p:nvPr/>
+        </p:nvCxnSpPr>
+        <p:spPr>
+          <a:xfrm>
+            <a:off x="3728864" y="2809325"/>
+            <a:ext cx="837793" cy="0"/>
+          </a:xfrm>
+          <a:prstGeom prst="straightConnector1">
+            <a:avLst/>
+          </a:prstGeom>
+          <a:ln w="28575">
+            <a:tailEnd type="triangle"/>
+          </a:ln>
+        </p:spPr>
+        <p:style>
+          <a:lnRef idx="1">
+            <a:schemeClr val="accent1"/>
+          </a:lnRef>
+          <a:fillRef idx="0">
+            <a:schemeClr val="accent1"/>
+          </a:fillRef>
+          <a:effectRef idx="0">
+            <a:schemeClr val="accent1"/>
+          </a:effectRef>
+          <a:fontRef idx="minor">
+            <a:schemeClr val="tx1"/>
+          </a:fontRef>
+        </p:style>
+      </p:cxnSp>
+      <p:cxnSp>
+        <p:nvCxnSpPr>
+          <p:cNvPr id="17" name="직선 화살표 연결선 16"/>
+          <p:cNvCxnSpPr/>
+          <p:nvPr/>
+        </p:nvCxnSpPr>
+        <p:spPr>
+          <a:xfrm>
+            <a:off x="6897216" y="3284984"/>
+            <a:ext cx="720080" cy="576064"/>
+          </a:xfrm>
+          <a:prstGeom prst="straightConnector1">
+            <a:avLst/>
+          </a:prstGeom>
+          <a:ln w="28575">
+            <a:tailEnd type="triangle"/>
+          </a:ln>
+        </p:spPr>
+        <p:style>
+          <a:lnRef idx="1">
+            <a:schemeClr val="accent1"/>
+          </a:lnRef>
+          <a:fillRef idx="0">
+            <a:schemeClr val="accent1"/>
+          </a:fillRef>
+          <a:effectRef idx="0">
+            <a:schemeClr val="accent1"/>
+          </a:effectRef>
+          <a:fontRef idx="minor">
+            <a:schemeClr val="tx1"/>
+          </a:fontRef>
+        </p:style>
+      </p:cxnSp>
+      <p:cxnSp>
+        <p:nvCxnSpPr>
+          <p:cNvPr id="21" name="직선 화살표 연결선 20"/>
+          <p:cNvCxnSpPr/>
+          <p:nvPr/>
+        </p:nvCxnSpPr>
+        <p:spPr>
+          <a:xfrm flipH="1">
+            <a:off x="4566657" y="3731846"/>
+            <a:ext cx="1394455" cy="993298"/>
+          </a:xfrm>
+          <a:prstGeom prst="straightConnector1">
+            <a:avLst/>
+          </a:prstGeom>
+          <a:ln w="28575">
+            <a:tailEnd type="triangle"/>
+          </a:ln>
+        </p:spPr>
+        <p:style>
+          <a:lnRef idx="1">
+            <a:schemeClr val="accent1"/>
+          </a:lnRef>
+          <a:fillRef idx="0">
+            <a:schemeClr val="accent1"/>
+          </a:fillRef>
+          <a:effectRef idx="0">
+            <a:schemeClr val="accent1"/>
+          </a:effectRef>
+          <a:fontRef idx="minor">
+            <a:schemeClr val="tx1"/>
+          </a:fontRef>
+        </p:style>
+      </p:cxnSp>
+      <p:sp>
+        <p:nvSpPr>
+          <p:cNvPr id="26" name="TextBox 25"/>
+          <p:cNvSpPr txBox="1"/>
+          <p:nvPr/>
+        </p:nvSpPr>
+        <p:spPr>
+          <a:xfrm>
+            <a:off x="3912940" y="2439993"/>
+            <a:ext cx="469639" cy="369332"/>
+          </a:xfrm>
+          <a:prstGeom prst="rect">
+            <a:avLst/>
+          </a:prstGeom>
+          <a:noFill/>
+        </p:spPr>
+        <p:txBody>
+          <a:bodyPr wrap="square" rtlCol="0">
+            <a:spAutoFit/>
+          </a:bodyPr>
+          <a:lstStyle/>
+          <a:p>
+            <a:pPr algn="ctr"/>
+            <a:r>
+              <a:rPr lang="ko-KR" altLang="en-US" dirty="0">
+                <a:solidFill>
+                  <a:srgbClr val="C00000"/>
+                </a:solidFill>
+              </a:rPr>
+              <a:t>①</a:t>
+            </a:r>
+          </a:p>
+        </p:txBody>
+      </p:sp>
+      <p:sp>
+        <p:nvSpPr>
+          <p:cNvPr id="27" name="TextBox 26"/>
+          <p:cNvSpPr txBox="1"/>
+          <p:nvPr/>
+        </p:nvSpPr>
+        <p:spPr>
+          <a:xfrm>
+            <a:off x="7116487" y="3284984"/>
+            <a:ext cx="469639" cy="369332"/>
+          </a:xfrm>
+          <a:prstGeom prst="rect">
+            <a:avLst/>
+          </a:prstGeom>
+          <a:noFill/>
+        </p:spPr>
+        <p:txBody>
+          <a:bodyPr wrap="square" rtlCol="0">
+            <a:spAutoFit/>
+          </a:bodyPr>
+          <a:lstStyle/>
+          <a:p>
+            <a:pPr algn="ctr"/>
+            <a:r>
+              <a:rPr lang="ko-KR" altLang="en-US" dirty="0" smtClean="0">
+                <a:solidFill>
+                  <a:srgbClr val="C00000"/>
+                </a:solidFill>
+              </a:rPr>
+              <a:t>②</a:t>
+            </a:r>
+            <a:endParaRPr lang="ko-KR" altLang="en-US" dirty="0">
+              <a:solidFill>
+                <a:srgbClr val="C00000"/>
+              </a:solidFill>
+            </a:endParaRPr>
+          </a:p>
+        </p:txBody>
+      </p:sp>
+      <p:sp>
+        <p:nvSpPr>
+          <p:cNvPr id="28" name="TextBox 27"/>
+          <p:cNvSpPr txBox="1"/>
+          <p:nvPr/>
+        </p:nvSpPr>
+        <p:spPr>
+          <a:xfrm>
+            <a:off x="5263884" y="4149080"/>
+            <a:ext cx="469639" cy="369332"/>
+          </a:xfrm>
+          <a:prstGeom prst="rect">
+            <a:avLst/>
+          </a:prstGeom>
+          <a:noFill/>
+        </p:spPr>
+        <p:txBody>
+          <a:bodyPr wrap="square" rtlCol="0">
+            <a:spAutoFit/>
+          </a:bodyPr>
+          <a:lstStyle/>
+          <a:p>
+            <a:pPr algn="ctr"/>
+            <a:r>
+              <a:rPr lang="ko-KR" altLang="en-US" dirty="0" smtClean="0">
+                <a:solidFill>
+                  <a:srgbClr val="C00000"/>
+                </a:solidFill>
+              </a:rPr>
+              <a:t>③</a:t>
+            </a:r>
+            <a:endParaRPr lang="ko-KR" altLang="en-US" dirty="0">
+              <a:solidFill>
+                <a:srgbClr val="C00000"/>
+              </a:solidFill>
+            </a:endParaRPr>
+          </a:p>
+        </p:txBody>
+      </p:sp>
+    </p:spTree>
+    <p:extLst>
+      <p:ext uri="{BB962C8B-B14F-4D97-AF65-F5344CB8AC3E}">
+        <p14:creationId xmlns:p14="http://schemas.microsoft.com/office/powerpoint/2010/main" val="545591489"/>
+      </p:ext>
+    </p:extLst>
+  </p:cSld>
+  <p:clrMapOvr>
+    <a:masterClrMapping/>
+  </p:clrMapOvr>
+  <p:timing>
+    <p:tnLst>
+      <p:par>
+        <p:cTn id="1" dur="indefinite" restart="never" nodeType="tmRoot"/>
+      </p:par>
+    </p:tnLst>
+  </p:timing>
+</p:sld>
+</file>
+
+<file path=ppt/slides/slide23.xml><?xml version="1.0" encoding="utf-8"?>
+<p:sld xmlns:a="http://schemas.openxmlformats.org/drawingml/2006/main" xmlns:r="http://schemas.openxmlformats.org/officeDocument/2006/relationships" xmlns:p="http://schemas.openxmlformats.org/presentationml/2006/main">
+  <p:cSld>
+    <p:spTree>
+      <p:nvGrpSpPr>
+        <p:cNvPr id="1" name=""/>
+        <p:cNvGrpSpPr/>
+        <p:nvPr/>
+      </p:nvGrpSpPr>
+      <p:grpSpPr>
+        <a:xfrm>
+          <a:off x="0" y="0"/>
+          <a:ext cx="0" cy="0"/>
+          <a:chOff x="0" y="0"/>
+          <a:chExt cx="0" cy="0"/>
+        </a:xfrm>
+      </p:grpSpPr>
+      <p:sp>
+        <p:nvSpPr>
+          <p:cNvPr id="15" name="제목 5"/>
+          <p:cNvSpPr txBox="1">
+            <a:spLocks/>
+          </p:cNvSpPr>
+          <p:nvPr/>
+        </p:nvSpPr>
+        <p:spPr>
+          <a:xfrm>
+            <a:off x="0" y="-27384"/>
+            <a:ext cx="7995338" cy="854968"/>
+          </a:xfrm>
+          <a:prstGeom prst="rect">
+            <a:avLst/>
+          </a:prstGeom>
+        </p:spPr>
+        <p:txBody>
+          <a:bodyPr anchor="ctr" anchorCtr="0"/>
+          <a:lstStyle>
+            <a:lvl1pPr algn="l" defTabSz="914400" rtl="0" eaLnBrk="1" latinLnBrk="1" hangingPunct="1">
+              <a:spcBef>
+                <a:spcPct val="0"/>
+              </a:spcBef>
+              <a:buNone/>
+              <a:defRPr sz="3200" kern="1200">
+                <a:solidFill>
+                  <a:schemeClr val="bg1"/>
+                </a:solidFill>
+                <a:latin typeface="HY헤드라인M" panose="02030600000101010101" pitchFamily="18" charset="-127"/>
+                <a:ea typeface="HY헤드라인M" panose="02030600000101010101" pitchFamily="18" charset="-127"/>
+                <a:cs typeface="+mj-cs"/>
+              </a:defRPr>
+            </a:lvl1pPr>
+          </a:lstStyle>
+          <a:p>
+            <a:r>
+              <a:rPr lang="en-US" altLang="ko-KR" dirty="0" smtClean="0"/>
+              <a:t> </a:t>
+            </a:r>
+            <a:r>
+              <a:rPr lang="ko-KR" altLang="en-US" dirty="0"/>
+              <a:t> </a:t>
+            </a:r>
+            <a:r>
+              <a:rPr lang="ko-KR" altLang="en-US" dirty="0" smtClean="0"/>
+              <a:t>세션</a:t>
+            </a:r>
+            <a:r>
+              <a:rPr lang="en-US" altLang="ko-KR" dirty="0" smtClean="0"/>
+              <a:t>(session) – </a:t>
+            </a:r>
+            <a:r>
+              <a:rPr lang="ko-KR" altLang="en-US" dirty="0" smtClean="0"/>
+              <a:t>장바구니 </a:t>
+            </a:r>
+            <a:endParaRPr lang="ko-KR" altLang="en-US" dirty="0"/>
+          </a:p>
+        </p:txBody>
+      </p:sp>
+      <p:sp>
+        <p:nvSpPr>
+          <p:cNvPr id="5" name="TextBox 4"/>
+          <p:cNvSpPr txBox="1"/>
+          <p:nvPr/>
+        </p:nvSpPr>
+        <p:spPr>
+          <a:xfrm>
+            <a:off x="776536" y="980728"/>
+            <a:ext cx="9073008" cy="494494"/>
+          </a:xfrm>
+          <a:prstGeom prst="rect">
+            <a:avLst/>
+          </a:prstGeom>
+          <a:noFill/>
+        </p:spPr>
+        <p:txBody>
+          <a:bodyPr wrap="square" rtlCol="0">
+            <a:spAutoFit/>
+          </a:bodyPr>
+          <a:lstStyle/>
+          <a:p>
+            <a:pPr>
+              <a:lnSpc>
+                <a:spcPct val="150000"/>
+              </a:lnSpc>
+            </a:pPr>
+            <a:r>
+              <a:rPr lang="ko-KR" altLang="en-US" sz="2000" b="1" dirty="0" smtClean="0"/>
+              <a:t>세션을 이용한 장바구니</a:t>
+            </a:r>
+            <a:r>
+              <a:rPr lang="en-US" altLang="ko-KR" sz="2000" b="1" dirty="0" smtClean="0"/>
+              <a:t>(Shopping Cart) </a:t>
+            </a:r>
+            <a:r>
+              <a:rPr lang="ko-KR" altLang="en-US" sz="2000" b="1" dirty="0" smtClean="0"/>
+              <a:t>구현</a:t>
+            </a:r>
+            <a:endParaRPr lang="en-US" altLang="ko-KR" sz="2000" b="1" dirty="0" smtClean="0"/>
+          </a:p>
+        </p:txBody>
+      </p:sp>
+      <p:pic>
+        <p:nvPicPr>
+          <p:cNvPr id="2" name="그림 1"/>
+          <p:cNvPicPr>
+            <a:picLocks noChangeAspect="1"/>
+          </p:cNvPicPr>
+          <p:nvPr/>
+        </p:nvPicPr>
+        <p:blipFill>
+          <a:blip r:embed="rId2">
+            <a:extLst>
+              <a:ext uri="{28A0092B-C50C-407E-A947-70E740481C1C}">
+                <a14:useLocalDpi xmlns:a14="http://schemas.microsoft.com/office/drawing/2010/main" val="0"/>
+              </a:ext>
+            </a:extLst>
+          </a:blip>
+          <a:stretch>
+            <a:fillRect/>
+          </a:stretch>
+        </p:blipFill>
+        <p:spPr>
+          <a:xfrm>
+            <a:off x="1640632" y="2276872"/>
+            <a:ext cx="6172735" cy="3543607"/>
+          </a:xfrm>
+          <a:prstGeom prst="rect">
+            <a:avLst/>
+          </a:prstGeom>
+          <a:ln>
+            <a:solidFill>
+              <a:schemeClr val="bg1">
+                <a:lumMod val="85000"/>
+              </a:schemeClr>
+            </a:solidFill>
+          </a:ln>
+        </p:spPr>
+      </p:pic>
+      <p:sp>
+        <p:nvSpPr>
+          <p:cNvPr id="7" name="모서리가 둥근 직사각형 6">
+            <a:extLst>
+              <a:ext uri="{FF2B5EF4-FFF2-40B4-BE49-F238E27FC236}">
+                <a16:creationId xmlns:a16="http://schemas.microsoft.com/office/drawing/2014/main" id="{792DA8B4-17B2-454B-97AC-17311A4832C5}"/>
+              </a:ext>
+            </a:extLst>
+          </p:cNvPr>
+          <p:cNvSpPr/>
+          <p:nvPr/>
+        </p:nvSpPr>
+        <p:spPr>
+          <a:xfrm>
+            <a:off x="5536088" y="1894523"/>
+            <a:ext cx="2266393" cy="317650"/>
+          </a:xfrm>
+          <a:prstGeom prst="roundRect">
+            <a:avLst/>
+          </a:prstGeom>
+          <a:noFill/>
+          <a:ln w="12700">
+            <a:solidFill>
+              <a:schemeClr val="tx1"/>
+            </a:solidFill>
+          </a:ln>
+        </p:spPr>
+        <p:style>
+          <a:lnRef idx="2">
+            <a:schemeClr val="accent2"/>
+          </a:lnRef>
+          <a:fillRef idx="1">
+            <a:schemeClr val="lt1"/>
+          </a:fillRef>
+          <a:effectRef idx="0">
+            <a:schemeClr val="accent2"/>
+          </a:effectRef>
+          <a:fontRef idx="minor">
+            <a:schemeClr val="dk1"/>
+          </a:fontRef>
+        </p:style>
+        <p:txBody>
+          <a:bodyPr rtlCol="0" anchor="ctr"/>
+          <a:lstStyle/>
+          <a:p>
+            <a:pPr algn="ctr"/>
+            <a:r>
+              <a:rPr lang="en-US" altLang="ko-KR" sz="1600" dirty="0">
+                <a:solidFill>
+                  <a:sysClr val="windowText" lastClr="000000"/>
+                </a:solidFill>
+              </a:rPr>
+              <a:t>c</a:t>
+            </a:r>
+            <a:r>
+              <a:rPr lang="en-US" altLang="ko-KR" sz="1600" dirty="0" smtClean="0">
+                <a:solidFill>
+                  <a:sysClr val="windowText" lastClr="000000"/>
+                </a:solidFill>
+              </a:rPr>
+              <a:t>art/</a:t>
+            </a:r>
+            <a:r>
+              <a:rPr lang="en-US" altLang="ko-KR" sz="1600" dirty="0" err="1" smtClean="0">
+                <a:solidFill>
+                  <a:sysClr val="windowText" lastClr="000000"/>
+                </a:solidFill>
+              </a:rPr>
+              <a:t>loginForm.jsp</a:t>
+            </a:r>
+            <a:endParaRPr lang="en-US" altLang="ko-KR" sz="1600" dirty="0" smtClean="0">
+              <a:solidFill>
+                <a:sysClr val="windowText" lastClr="000000"/>
+              </a:solidFill>
+            </a:endParaRPr>
+          </a:p>
+        </p:txBody>
+      </p:sp>
+    </p:spTree>
+    <p:extLst>
+      <p:ext uri="{BB962C8B-B14F-4D97-AF65-F5344CB8AC3E}">
+        <p14:creationId xmlns:p14="http://schemas.microsoft.com/office/powerpoint/2010/main" val="2178986415"/>
+      </p:ext>
+    </p:extLst>
+  </p:cSld>
+  <p:clrMapOvr>
+    <a:masterClrMapping/>
+  </p:clrMapOvr>
+  <p:timing>
+    <p:tnLst>
+      <p:par>
+        <p:cTn id="1" dur="indefinite" restart="never" nodeType="tmRoot"/>
+      </p:par>
+    </p:tnLst>
+  </p:timing>
+</p:sld>
+</file>
+
+<file path=ppt/slides/slide24.xml><?xml version="1.0" encoding="utf-8"?>
+<p:sld xmlns:a="http://schemas.openxmlformats.org/drawingml/2006/main" xmlns:r="http://schemas.openxmlformats.org/officeDocument/2006/relationships" xmlns:p="http://schemas.openxmlformats.org/presentationml/2006/main">
+  <p:cSld>
+    <p:spTree>
+      <p:nvGrpSpPr>
+        <p:cNvPr id="1" name=""/>
+        <p:cNvGrpSpPr/>
+        <p:nvPr/>
+      </p:nvGrpSpPr>
+      <p:grpSpPr>
+        <a:xfrm>
+          <a:off x="0" y="0"/>
+          <a:ext cx="0" cy="0"/>
+          <a:chOff x="0" y="0"/>
+          <a:chExt cx="0" cy="0"/>
+        </a:xfrm>
+      </p:grpSpPr>
+      <p:sp>
+        <p:nvSpPr>
+          <p:cNvPr id="15" name="제목 5"/>
+          <p:cNvSpPr txBox="1">
+            <a:spLocks/>
+          </p:cNvSpPr>
+          <p:nvPr/>
+        </p:nvSpPr>
+        <p:spPr>
+          <a:xfrm>
+            <a:off x="0" y="-27384"/>
+            <a:ext cx="7995338" cy="854968"/>
+          </a:xfrm>
+          <a:prstGeom prst="rect">
+            <a:avLst/>
+          </a:prstGeom>
+        </p:spPr>
+        <p:txBody>
+          <a:bodyPr anchor="ctr" anchorCtr="0"/>
+          <a:lstStyle>
+            <a:lvl1pPr algn="l" defTabSz="914400" rtl="0" eaLnBrk="1" latinLnBrk="1" hangingPunct="1">
+              <a:spcBef>
+                <a:spcPct val="0"/>
+              </a:spcBef>
+              <a:buNone/>
+              <a:defRPr sz="3200" kern="1200">
+                <a:solidFill>
+                  <a:schemeClr val="bg1"/>
+                </a:solidFill>
+                <a:latin typeface="HY헤드라인M" panose="02030600000101010101" pitchFamily="18" charset="-127"/>
+                <a:ea typeface="HY헤드라인M" panose="02030600000101010101" pitchFamily="18" charset="-127"/>
+                <a:cs typeface="+mj-cs"/>
+              </a:defRPr>
+            </a:lvl1pPr>
+          </a:lstStyle>
+          <a:p>
+            <a:r>
+              <a:rPr lang="en-US" altLang="ko-KR" dirty="0" smtClean="0"/>
+              <a:t> </a:t>
+            </a:r>
+            <a:r>
+              <a:rPr lang="ko-KR" altLang="en-US" dirty="0"/>
+              <a:t> </a:t>
+            </a:r>
+            <a:r>
+              <a:rPr lang="ko-KR" altLang="en-US" dirty="0" smtClean="0"/>
+              <a:t>세션</a:t>
+            </a:r>
+            <a:r>
+              <a:rPr lang="en-US" altLang="ko-KR" dirty="0" smtClean="0"/>
+              <a:t>(session) – </a:t>
+            </a:r>
+            <a:r>
+              <a:rPr lang="ko-KR" altLang="en-US" dirty="0" smtClean="0"/>
+              <a:t>장바구니 </a:t>
+            </a:r>
+            <a:endParaRPr lang="ko-KR" altLang="en-US" dirty="0"/>
+          </a:p>
+        </p:txBody>
+      </p:sp>
+      <p:pic>
+        <p:nvPicPr>
+          <p:cNvPr id="2" name="그림 1"/>
+          <p:cNvPicPr>
+            <a:picLocks noChangeAspect="1"/>
+          </p:cNvPicPr>
+          <p:nvPr/>
+        </p:nvPicPr>
+        <p:blipFill>
+          <a:blip r:embed="rId2">
+            <a:extLst>
+              <a:ext uri="{28A0092B-C50C-407E-A947-70E740481C1C}">
+                <a14:useLocalDpi xmlns:a14="http://schemas.microsoft.com/office/drawing/2010/main" val="0"/>
+              </a:ext>
+            </a:extLst>
+          </a:blip>
+          <a:stretch>
+            <a:fillRect/>
+          </a:stretch>
+        </p:blipFill>
+        <p:spPr>
+          <a:xfrm>
+            <a:off x="1208584" y="1124744"/>
+            <a:ext cx="7545256" cy="5092357"/>
+          </a:xfrm>
+          <a:prstGeom prst="rect">
+            <a:avLst/>
+          </a:prstGeom>
+          <a:ln>
+            <a:solidFill>
+              <a:schemeClr val="bg1">
+                <a:lumMod val="85000"/>
+              </a:schemeClr>
+            </a:solidFill>
+          </a:ln>
+        </p:spPr>
+      </p:pic>
+      <p:sp>
+        <p:nvSpPr>
+          <p:cNvPr id="9" name="모서리가 둥근 직사각형 8">
+            <a:extLst>
+              <a:ext uri="{FF2B5EF4-FFF2-40B4-BE49-F238E27FC236}">
+                <a16:creationId xmlns:a16="http://schemas.microsoft.com/office/drawing/2014/main" id="{792DA8B4-17B2-454B-97AC-17311A4832C5}"/>
+              </a:ext>
+            </a:extLst>
+          </p:cNvPr>
+          <p:cNvSpPr/>
+          <p:nvPr/>
+        </p:nvSpPr>
+        <p:spPr>
+          <a:xfrm>
+            <a:off x="7041232" y="1412776"/>
+            <a:ext cx="2266393" cy="317650"/>
+          </a:xfrm>
+          <a:prstGeom prst="roundRect">
+            <a:avLst/>
+          </a:prstGeom>
+          <a:noFill/>
+          <a:ln w="12700">
+            <a:solidFill>
+              <a:schemeClr val="tx1"/>
+            </a:solidFill>
+          </a:ln>
+        </p:spPr>
+        <p:style>
+          <a:lnRef idx="2">
+            <a:schemeClr val="accent2"/>
+          </a:lnRef>
+          <a:fillRef idx="1">
+            <a:schemeClr val="lt1"/>
+          </a:fillRef>
+          <a:effectRef idx="0">
+            <a:schemeClr val="accent2"/>
+          </a:effectRef>
+          <a:fontRef idx="minor">
+            <a:schemeClr val="dk1"/>
+          </a:fontRef>
+        </p:style>
+        <p:txBody>
+          <a:bodyPr rtlCol="0" anchor="ctr"/>
+          <a:lstStyle/>
+          <a:p>
+            <a:pPr algn="ctr"/>
+            <a:r>
+              <a:rPr lang="en-US" altLang="ko-KR" sz="1600" dirty="0" smtClean="0">
+                <a:solidFill>
+                  <a:sysClr val="windowText" lastClr="000000"/>
+                </a:solidFill>
+              </a:rPr>
+              <a:t>cart/</a:t>
+            </a:r>
+            <a:r>
+              <a:rPr lang="en-US" altLang="ko-KR" sz="1600" dirty="0" err="1" smtClean="0">
+                <a:solidFill>
+                  <a:sysClr val="windowText" lastClr="000000"/>
+                </a:solidFill>
+              </a:rPr>
+              <a:t>selProduct.jsp</a:t>
+            </a:r>
+            <a:endParaRPr lang="en-US" altLang="ko-KR" sz="1600" dirty="0" smtClean="0">
+              <a:solidFill>
+                <a:sysClr val="windowText" lastClr="000000"/>
+              </a:solidFill>
+            </a:endParaRPr>
+          </a:p>
+        </p:txBody>
+      </p:sp>
+    </p:spTree>
+    <p:extLst>
+      <p:ext uri="{BB962C8B-B14F-4D97-AF65-F5344CB8AC3E}">
+        <p14:creationId xmlns:p14="http://schemas.microsoft.com/office/powerpoint/2010/main" val="498376751"/>
+      </p:ext>
+    </p:extLst>
+  </p:cSld>
+  <p:clrMapOvr>
+    <a:masterClrMapping/>
+  </p:clrMapOvr>
+  <p:timing>
+    <p:tnLst>
+      <p:par>
+        <p:cTn id="1" dur="indefinite" restart="never" nodeType="tmRoot"/>
+      </p:par>
+    </p:tnLst>
+  </p:timing>
+</p:sld>
+</file>
+
+<file path=ppt/slides/slide25.xml><?xml version="1.0" encoding="utf-8"?>
+<p:sld xmlns:a="http://schemas.openxmlformats.org/drawingml/2006/main" xmlns:r="http://schemas.openxmlformats.org/officeDocument/2006/relationships" xmlns:p="http://schemas.openxmlformats.org/presentationml/2006/main">
+  <p:cSld>
+    <p:spTree>
+      <p:nvGrpSpPr>
+        <p:cNvPr id="1" name=""/>
+        <p:cNvGrpSpPr/>
+        <p:nvPr/>
+      </p:nvGrpSpPr>
+      <p:grpSpPr>
+        <a:xfrm>
+          <a:off x="0" y="0"/>
+          <a:ext cx="0" cy="0"/>
+          <a:chOff x="0" y="0"/>
+          <a:chExt cx="0" cy="0"/>
+        </a:xfrm>
+      </p:grpSpPr>
+      <p:sp>
+        <p:nvSpPr>
+          <p:cNvPr id="15" name="제목 5"/>
+          <p:cNvSpPr txBox="1">
+            <a:spLocks/>
+          </p:cNvSpPr>
+          <p:nvPr/>
+        </p:nvSpPr>
+        <p:spPr>
+          <a:xfrm>
+            <a:off x="0" y="-27384"/>
+            <a:ext cx="7995338" cy="854968"/>
+          </a:xfrm>
+          <a:prstGeom prst="rect">
+            <a:avLst/>
+          </a:prstGeom>
+        </p:spPr>
+        <p:txBody>
+          <a:bodyPr anchor="ctr" anchorCtr="0"/>
+          <a:lstStyle>
+            <a:lvl1pPr algn="l" defTabSz="914400" rtl="0" eaLnBrk="1" latinLnBrk="1" hangingPunct="1">
+              <a:spcBef>
+                <a:spcPct val="0"/>
+              </a:spcBef>
+              <a:buNone/>
+              <a:defRPr sz="3200" kern="1200">
+                <a:solidFill>
+                  <a:schemeClr val="bg1"/>
+                </a:solidFill>
+                <a:latin typeface="HY헤드라인M" panose="02030600000101010101" pitchFamily="18" charset="-127"/>
+                <a:ea typeface="HY헤드라인M" panose="02030600000101010101" pitchFamily="18" charset="-127"/>
+                <a:cs typeface="+mj-cs"/>
+              </a:defRPr>
+            </a:lvl1pPr>
+          </a:lstStyle>
+          <a:p>
+            <a:r>
+              <a:rPr lang="en-US" altLang="ko-KR" dirty="0" smtClean="0"/>
+              <a:t> </a:t>
+            </a:r>
+            <a:r>
+              <a:rPr lang="ko-KR" altLang="en-US" dirty="0"/>
+              <a:t> </a:t>
+            </a:r>
+            <a:r>
+              <a:rPr lang="ko-KR" altLang="en-US" dirty="0" smtClean="0"/>
+              <a:t>세션</a:t>
+            </a:r>
+            <a:r>
+              <a:rPr lang="en-US" altLang="ko-KR" dirty="0" smtClean="0"/>
+              <a:t>(session) – </a:t>
+            </a:r>
+            <a:r>
+              <a:rPr lang="ko-KR" altLang="en-US" dirty="0" smtClean="0"/>
+              <a:t>장바구니 </a:t>
+            </a:r>
+            <a:endParaRPr lang="ko-KR" altLang="en-US" dirty="0"/>
+          </a:p>
+        </p:txBody>
+      </p:sp>
+      <p:pic>
+        <p:nvPicPr>
+          <p:cNvPr id="3" name="그림 2"/>
+          <p:cNvPicPr>
+            <a:picLocks noChangeAspect="1"/>
+          </p:cNvPicPr>
+          <p:nvPr/>
+        </p:nvPicPr>
+        <p:blipFill>
+          <a:blip r:embed="rId2">
+            <a:extLst>
+              <a:ext uri="{28A0092B-C50C-407E-A947-70E740481C1C}">
+                <a14:useLocalDpi xmlns:a14="http://schemas.microsoft.com/office/drawing/2010/main" val="0"/>
+              </a:ext>
+            </a:extLst>
+          </a:blip>
+          <a:stretch>
+            <a:fillRect/>
+          </a:stretch>
+        </p:blipFill>
+        <p:spPr>
+          <a:xfrm>
+            <a:off x="776536" y="1268760"/>
+            <a:ext cx="8468449" cy="4706259"/>
+          </a:xfrm>
+          <a:prstGeom prst="rect">
+            <a:avLst/>
+          </a:prstGeom>
+          <a:ln>
+            <a:solidFill>
+              <a:schemeClr val="bg1">
+                <a:lumMod val="85000"/>
+              </a:schemeClr>
+            </a:solidFill>
+          </a:ln>
+        </p:spPr>
+      </p:pic>
+      <p:sp>
+        <p:nvSpPr>
+          <p:cNvPr id="6" name="모서리가 둥근 직사각형 5">
+            <a:extLst>
+              <a:ext uri="{FF2B5EF4-FFF2-40B4-BE49-F238E27FC236}">
+                <a16:creationId xmlns:a16="http://schemas.microsoft.com/office/drawing/2014/main" id="{792DA8B4-17B2-454B-97AC-17311A4832C5}"/>
+              </a:ext>
+            </a:extLst>
+          </p:cNvPr>
+          <p:cNvSpPr/>
+          <p:nvPr/>
+        </p:nvSpPr>
+        <p:spPr>
+          <a:xfrm>
+            <a:off x="7401272" y="1340768"/>
+            <a:ext cx="2266393" cy="317650"/>
+          </a:xfrm>
+          <a:prstGeom prst="roundRect">
+            <a:avLst/>
+          </a:prstGeom>
+          <a:noFill/>
+          <a:ln w="12700">
+            <a:solidFill>
+              <a:schemeClr val="tx1"/>
+            </a:solidFill>
+          </a:ln>
+        </p:spPr>
+        <p:style>
+          <a:lnRef idx="2">
+            <a:schemeClr val="accent2"/>
+          </a:lnRef>
+          <a:fillRef idx="1">
+            <a:schemeClr val="lt1"/>
+          </a:fillRef>
+          <a:effectRef idx="0">
+            <a:schemeClr val="accent2"/>
+          </a:effectRef>
+          <a:fontRef idx="minor">
+            <a:schemeClr val="dk1"/>
+          </a:fontRef>
+        </p:style>
+        <p:txBody>
+          <a:bodyPr rtlCol="0" anchor="ctr"/>
+          <a:lstStyle/>
+          <a:p>
+            <a:pPr algn="ctr"/>
+            <a:r>
+              <a:rPr lang="en-US" altLang="ko-KR" sz="1600" dirty="0" smtClean="0">
+                <a:solidFill>
+                  <a:sysClr val="windowText" lastClr="000000"/>
+                </a:solidFill>
+              </a:rPr>
+              <a:t>cart/</a:t>
+            </a:r>
+            <a:r>
+              <a:rPr lang="en-US" altLang="ko-KR" sz="1600" dirty="0" err="1" smtClean="0">
+                <a:solidFill>
+                  <a:sysClr val="windowText" lastClr="000000"/>
+                </a:solidFill>
+              </a:rPr>
+              <a:t>addProduct.jsp</a:t>
+            </a:r>
+            <a:endParaRPr lang="en-US" altLang="ko-KR" sz="1600" dirty="0" smtClean="0">
+              <a:solidFill>
+                <a:sysClr val="windowText" lastClr="000000"/>
+              </a:solidFill>
+            </a:endParaRPr>
+          </a:p>
+        </p:txBody>
+      </p:sp>
+    </p:spTree>
+    <p:extLst>
+      <p:ext uri="{BB962C8B-B14F-4D97-AF65-F5344CB8AC3E}">
+        <p14:creationId xmlns:p14="http://schemas.microsoft.com/office/powerpoint/2010/main" val="3212506165"/>
+      </p:ext>
+    </p:extLst>
+  </p:cSld>
+  <p:clrMapOvr>
+    <a:masterClrMapping/>
+  </p:clrMapOvr>
+  <p:timing>
+    <p:tnLst>
+      <p:par>
+        <p:cTn id="1" dur="indefinite" restart="never" nodeType="tmRoot"/>
+      </p:par>
+    </p:tnLst>
+  </p:timing>
+</p:sld>
+</file>
+
+<file path=ppt/slides/slide26.xml><?xml version="1.0" encoding="utf-8"?>
+<p:sld xmlns:a="http://schemas.openxmlformats.org/drawingml/2006/main" xmlns:r="http://schemas.openxmlformats.org/officeDocument/2006/relationships" xmlns:p="http://schemas.openxmlformats.org/presentationml/2006/main">
+  <p:cSld>
+    <p:spTree>
+      <p:nvGrpSpPr>
+        <p:cNvPr id="1" name=""/>
+        <p:cNvGrpSpPr/>
+        <p:nvPr/>
+      </p:nvGrpSpPr>
+      <p:grpSpPr>
+        <a:xfrm>
+          <a:off x="0" y="0"/>
+          <a:ext cx="0" cy="0"/>
+          <a:chOff x="0" y="0"/>
+          <a:chExt cx="0" cy="0"/>
+        </a:xfrm>
+      </p:grpSpPr>
+      <p:sp>
+        <p:nvSpPr>
+          <p:cNvPr id="15" name="제목 5"/>
+          <p:cNvSpPr txBox="1">
+            <a:spLocks/>
+          </p:cNvSpPr>
+          <p:nvPr/>
+        </p:nvSpPr>
+        <p:spPr>
+          <a:xfrm>
+            <a:off x="0" y="-27384"/>
+            <a:ext cx="7995338" cy="854968"/>
+          </a:xfrm>
+          <a:prstGeom prst="rect">
+            <a:avLst/>
+          </a:prstGeom>
+        </p:spPr>
+        <p:txBody>
+          <a:bodyPr anchor="ctr" anchorCtr="0"/>
+          <a:lstStyle>
+            <a:lvl1pPr algn="l" defTabSz="914400" rtl="0" eaLnBrk="1" latinLnBrk="1" hangingPunct="1">
+              <a:spcBef>
+                <a:spcPct val="0"/>
+              </a:spcBef>
+              <a:buNone/>
+              <a:defRPr sz="3200" kern="1200">
+                <a:solidFill>
+                  <a:schemeClr val="bg1"/>
+                </a:solidFill>
+                <a:latin typeface="HY헤드라인M" panose="02030600000101010101" pitchFamily="18" charset="-127"/>
+                <a:ea typeface="HY헤드라인M" panose="02030600000101010101" pitchFamily="18" charset="-127"/>
+                <a:cs typeface="+mj-cs"/>
+              </a:defRPr>
+            </a:lvl1pPr>
+          </a:lstStyle>
+          <a:p>
+            <a:r>
+              <a:rPr lang="en-US" altLang="ko-KR" dirty="0" smtClean="0"/>
+              <a:t> </a:t>
+            </a:r>
+            <a:r>
+              <a:rPr lang="ko-KR" altLang="en-US" dirty="0"/>
+              <a:t> </a:t>
+            </a:r>
+            <a:r>
+              <a:rPr lang="ko-KR" altLang="en-US" dirty="0" smtClean="0"/>
+              <a:t>세션</a:t>
+            </a:r>
+            <a:r>
+              <a:rPr lang="en-US" altLang="ko-KR" dirty="0" smtClean="0"/>
+              <a:t>(session) – </a:t>
+            </a:r>
+            <a:r>
+              <a:rPr lang="ko-KR" altLang="en-US" dirty="0" smtClean="0"/>
+              <a:t>장바구니 </a:t>
+            </a:r>
+            <a:endParaRPr lang="ko-KR" altLang="en-US" dirty="0"/>
+          </a:p>
+        </p:txBody>
+      </p:sp>
+      <p:pic>
+        <p:nvPicPr>
+          <p:cNvPr id="2" name="그림 1"/>
+          <p:cNvPicPr>
+            <a:picLocks noChangeAspect="1"/>
+          </p:cNvPicPr>
+          <p:nvPr/>
+        </p:nvPicPr>
+        <p:blipFill>
+          <a:blip r:embed="rId2">
+            <a:extLst>
+              <a:ext uri="{28A0092B-C50C-407E-A947-70E740481C1C}">
+                <a14:useLocalDpi xmlns:a14="http://schemas.microsoft.com/office/drawing/2010/main" val="0"/>
+              </a:ext>
+            </a:extLst>
+          </a:blip>
+          <a:stretch>
+            <a:fillRect/>
+          </a:stretch>
+        </p:blipFill>
+        <p:spPr>
+          <a:xfrm>
+            <a:off x="1208584" y="1844824"/>
+            <a:ext cx="7399661" cy="3635055"/>
+          </a:xfrm>
+          <a:prstGeom prst="rect">
+            <a:avLst/>
+          </a:prstGeom>
+          <a:ln>
+            <a:solidFill>
+              <a:schemeClr val="bg1">
+                <a:lumMod val="85000"/>
+              </a:schemeClr>
+            </a:solidFill>
+          </a:ln>
+        </p:spPr>
+      </p:pic>
+      <p:sp>
+        <p:nvSpPr>
+          <p:cNvPr id="9" name="모서리가 둥근 직사각형 8">
+            <a:extLst>
+              <a:ext uri="{FF2B5EF4-FFF2-40B4-BE49-F238E27FC236}">
+                <a16:creationId xmlns:a16="http://schemas.microsoft.com/office/drawing/2014/main" id="{792DA8B4-17B2-454B-97AC-17311A4832C5}"/>
+              </a:ext>
+            </a:extLst>
+          </p:cNvPr>
+          <p:cNvSpPr/>
+          <p:nvPr/>
+        </p:nvSpPr>
+        <p:spPr>
+          <a:xfrm>
+            <a:off x="6105128" y="1340768"/>
+            <a:ext cx="2266393" cy="317650"/>
+          </a:xfrm>
+          <a:prstGeom prst="roundRect">
+            <a:avLst/>
+          </a:prstGeom>
+          <a:noFill/>
+          <a:ln w="12700">
+            <a:solidFill>
+              <a:schemeClr val="tx1"/>
+            </a:solidFill>
+          </a:ln>
+        </p:spPr>
+        <p:style>
+          <a:lnRef idx="2">
+            <a:schemeClr val="accent2"/>
+          </a:lnRef>
+          <a:fillRef idx="1">
+            <a:schemeClr val="lt1"/>
+          </a:fillRef>
+          <a:effectRef idx="0">
+            <a:schemeClr val="accent2"/>
+          </a:effectRef>
+          <a:fontRef idx="minor">
+            <a:schemeClr val="dk1"/>
+          </a:fontRef>
+        </p:style>
+        <p:txBody>
+          <a:bodyPr rtlCol="0" anchor="ctr"/>
+          <a:lstStyle/>
+          <a:p>
+            <a:pPr algn="ctr"/>
+            <a:r>
+              <a:rPr lang="en-US" altLang="ko-KR" sz="1600" dirty="0" smtClean="0">
+                <a:solidFill>
+                  <a:sysClr val="windowText" lastClr="000000"/>
+                </a:solidFill>
+              </a:rPr>
+              <a:t>cart/</a:t>
+            </a:r>
+            <a:r>
+              <a:rPr lang="en-US" altLang="ko-KR" sz="1600" dirty="0" err="1" smtClean="0">
+                <a:solidFill>
+                  <a:sysClr val="windowText" lastClr="000000"/>
+                </a:solidFill>
+              </a:rPr>
+              <a:t>checkOut.jsp</a:t>
+            </a:r>
+            <a:endParaRPr lang="en-US" altLang="ko-KR" sz="1600" dirty="0" smtClean="0">
+              <a:solidFill>
+                <a:sysClr val="windowText" lastClr="000000"/>
+              </a:solidFill>
+            </a:endParaRPr>
+          </a:p>
+        </p:txBody>
+      </p:sp>
+    </p:spTree>
+    <p:extLst>
+      <p:ext uri="{BB962C8B-B14F-4D97-AF65-F5344CB8AC3E}">
+        <p14:creationId xmlns:p14="http://schemas.microsoft.com/office/powerpoint/2010/main" val="507851366"/>
       </p:ext>
     </p:extLst>
   </p:cSld>
